--- a/Intro to Unit Testing.pptx
+++ b/Intro to Unit Testing.pptx
@@ -174,7 +174,7 @@
         <pc:docMk/>
       </pc:docMkLst>
       <pc:sldChg chg="addSp delSp modSp mod setBg modAnim setClrOvrMap">
-        <pc:chgData name="Josh Lane" userId="b2464901-f2b6-4eae-b9a6-bc180916088f" providerId="ADAL" clId="{F74D9904-6ED0-47F5-A7CB-18629BE6F372}" dt="2018-07-18T18:27:45.592" v="2420"/>
+        <pc:chgData name="Josh Lane" userId="b2464901-f2b6-4eae-b9a6-bc180916088f" providerId="ADAL" clId="{F74D9904-6ED0-47F5-A7CB-18629BE6F372}" dt="2018-07-18T18:27:45.592" v="2420" actId="20577"/>
         <pc:sldMkLst>
           <pc:docMk/>
           <pc:sldMk cId="3276385780" sldId="258"/>
@@ -245,7 +245,7 @@
         </pc:cxnChg>
       </pc:sldChg>
       <pc:sldChg chg="modSp modAnim">
-        <pc:chgData name="Josh Lane" userId="b2464901-f2b6-4eae-b9a6-bc180916088f" providerId="ADAL" clId="{F74D9904-6ED0-47F5-A7CB-18629BE6F372}" dt="2018-07-18T18:28:25.866" v="2425"/>
+        <pc:chgData name="Josh Lane" userId="b2464901-f2b6-4eae-b9a6-bc180916088f" providerId="ADAL" clId="{F74D9904-6ED0-47F5-A7CB-18629BE6F372}" dt="2018-07-18T18:28:25.866" v="2425" actId="20577"/>
         <pc:sldMkLst>
           <pc:docMk/>
           <pc:sldMk cId="3741282728" sldId="259"/>
@@ -282,7 +282,7 @@
           </ac:spMkLst>
         </pc:spChg>
         <pc:spChg chg="del mod">
-          <ac:chgData name="Josh Lane" userId="b2464901-f2b6-4eae-b9a6-bc180916088f" providerId="ADAL" clId="{F74D9904-6ED0-47F5-A7CB-18629BE6F372}" dt="2018-07-18T17:40:59.725" v="1427"/>
+          <ac:chgData name="Josh Lane" userId="b2464901-f2b6-4eae-b9a6-bc180916088f" providerId="ADAL" clId="{F74D9904-6ED0-47F5-A7CB-18629BE6F372}" dt="2018-07-18T17:40:59.725" v="1427" actId="114"/>
           <ac:spMkLst>
             <pc:docMk/>
             <pc:sldMk cId="3747601485" sldId="260"/>
@@ -290,7 +290,7 @@
           </ac:spMkLst>
         </pc:spChg>
         <pc:spChg chg="add del mod">
-          <ac:chgData name="Josh Lane" userId="b2464901-f2b6-4eae-b9a6-bc180916088f" providerId="ADAL" clId="{F74D9904-6ED0-47F5-A7CB-18629BE6F372}" dt="2018-07-18T17:41:08.686" v="1428"/>
+          <ac:chgData name="Josh Lane" userId="b2464901-f2b6-4eae-b9a6-bc180916088f" providerId="ADAL" clId="{F74D9904-6ED0-47F5-A7CB-18629BE6F372}" dt="2018-07-18T17:41:08.686" v="1428" actId="114"/>
           <ac:spMkLst>
             <pc:docMk/>
             <pc:sldMk cId="3747601485" sldId="260"/>
@@ -392,7 +392,7 @@
         </pc:sldMkLst>
       </pc:sldChg>
       <pc:sldChg chg="ord">
-        <pc:chgData name="Josh Lane" userId="b2464901-f2b6-4eae-b9a6-bc180916088f" providerId="ADAL" clId="{F74D9904-6ED0-47F5-A7CB-18629BE6F372}" dt="2018-07-18T18:22:55.075" v="2409"/>
+        <pc:chgData name="Josh Lane" userId="b2464901-f2b6-4eae-b9a6-bc180916088f" providerId="ADAL" clId="{F74D9904-6ED0-47F5-A7CB-18629BE6F372}" dt="2018-07-18T18:22:55.075" v="2409" actId="20577"/>
         <pc:sldMkLst>
           <pc:docMk/>
           <pc:sldMk cId="2189786174" sldId="264"/>
@@ -429,7 +429,7 @@
         </pc:spChg>
       </pc:sldChg>
       <pc:sldChg chg="modSp add modAnim">
-        <pc:chgData name="Josh Lane" userId="b2464901-f2b6-4eae-b9a6-bc180916088f" providerId="ADAL" clId="{F74D9904-6ED0-47F5-A7CB-18629BE6F372}" dt="2018-07-18T18:23:32.241" v="2414"/>
+        <pc:chgData name="Josh Lane" userId="b2464901-f2b6-4eae-b9a6-bc180916088f" providerId="ADAL" clId="{F74D9904-6ED0-47F5-A7CB-18629BE6F372}" dt="2018-07-18T18:23:32.241" v="2414" actId="20577"/>
         <pc:sldMkLst>
           <pc:docMk/>
           <pc:sldMk cId="754504388" sldId="1720"/>
@@ -549,7 +549,7 @@
               <a:rPr lang="en-US" smtClean="0">
                 <a:latin typeface="Segoe UI" pitchFamily="34" charset="0"/>
               </a:rPr>
-              <a:t>7/18/2018 12:48 PM</a:t>
+              <a:t>7/19/2018 3:53 PM</a:t>
             </a:fld>
             <a:endParaRPr lang="en-US" dirty="0">
               <a:latin typeface="Segoe UI" pitchFamily="34" charset="0"/>
@@ -827,7 +827,7 @@
           <a:p>
             <a:fld id="{386CE63F-9E7F-4C04-9D0D-FCA25A8E9E86}" type="datetime8">
               <a:rPr lang="en-US" smtClean="0"/>
-              <a:t>7/18/2018 12:48 PM</a:t>
+              <a:t>7/19/2018 3:52 PM</a:t>
             </a:fld>
             <a:endParaRPr lang="en-US" dirty="0"/>
           </a:p>
@@ -1194,7 +1194,7 @@
           <a:p>
             <a:fld id="{3619146B-24F9-441E-A368-DB3B5A84C1D4}" type="datetime8">
               <a:rPr lang="en-US" smtClean="0"/>
-              <a:t>7/18/2018 12:48 PM</a:t>
+              <a:t>7/19/2018 3:52 PM</a:t>
             </a:fld>
             <a:endParaRPr lang="en-US" dirty="0"/>
           </a:p>
@@ -1542,7 +1542,7 @@
                   <a:prstClr val="black"/>
                 </a:solidFill>
               </a:rPr>
-              <a:t>7/18/2018 12:48 PM</a:t>
+              <a:t>7/19/2018 3:52 PM</a:t>
             </a:fld>
             <a:endParaRPr lang="en-US" dirty="0">
               <a:solidFill>
@@ -5112,7 +5112,7 @@
           <a:p>
             <a:fld id="{B9351C7B-D913-4A6F-B601-CEF21ACADB97}" type="datetimeFigureOut">
               <a:rPr lang="en-US" smtClean="0"/>
-              <a:t>7/18/2018</a:t>
+              <a:t>7/19/2018</a:t>
             </a:fld>
             <a:endParaRPr lang="en-US"/>
           </a:p>
@@ -18199,7 +18199,23 @@
                   <a:schemeClr val="accent3"/>
                 </a:solidFill>
               </a:rPr>
-              <a:t>…only if you consider tests a distinct artifact</a:t>
+              <a:t>…only if you consider tests </a:t>
+            </a:r>
+            <a:r>
+              <a:rPr lang="en-US">
+                <a:solidFill>
+                  <a:schemeClr val="accent3"/>
+                </a:solidFill>
+              </a:rPr>
+              <a:t>a distinct (optional) </a:t>
+            </a:r>
+            <a:r>
+              <a:rPr lang="en-US" dirty="0">
+                <a:solidFill>
+                  <a:schemeClr val="accent3"/>
+                </a:solidFill>
+              </a:rPr>
+              <a:t>artifact</a:t>
             </a:r>
           </a:p>
           <a:p>
@@ -20000,9 +20016,12 @@
 </file>
 
 <file path=customXml/item1.xml><?xml version="1.0" encoding="utf-8"?>
-<p:properties xmlns:p="http://schemas.microsoft.com/office/2006/metadata/properties" xmlns:xsi="http://www.w3.org/2001/XMLSchema-instance" xmlns:pc="http://schemas.microsoft.com/office/infopath/2007/PartnerControls">
-  <documentManagement/>
-</p:properties>
+<?mso-contentType ?>
+<FormTemplates xmlns="http://schemas.microsoft.com/sharepoint/v3/contenttype/forms">
+  <Display>DocumentLibraryForm</Display>
+  <Edit>DocumentLibraryForm</Edit>
+  <New>DocumentLibraryForm</New>
+</FormTemplates>
 </file>
 
 <file path=customXml/item2.xml><?xml version="1.0" encoding="utf-8"?>
@@ -20160,26 +20179,15 @@
 </file>
 
 <file path=customXml/item3.xml><?xml version="1.0" encoding="utf-8"?>
-<?mso-contentType ?>
-<FormTemplates xmlns="http://schemas.microsoft.com/sharepoint/v3/contenttype/forms">
-  <Display>DocumentLibraryForm</Display>
-  <Edit>DocumentLibraryForm</Edit>
-  <New>DocumentLibraryForm</New>
-</FormTemplates>
+<p:properties xmlns:p="http://schemas.microsoft.com/office/2006/metadata/properties" xmlns:xsi="http://www.w3.org/2001/XMLSchema-instance" xmlns:pc="http://schemas.microsoft.com/office/infopath/2007/PartnerControls">
+  <documentManagement/>
+</p:properties>
 </file>
 
 <file path=customXml/itemProps1.xml><?xml version="1.0" encoding="utf-8"?>
-<ds:datastoreItem xmlns:ds="http://schemas.openxmlformats.org/officeDocument/2006/customXml" ds:itemID="{F990F116-B58F-4255-B05B-DA3808E0E5C6}">
+<ds:datastoreItem xmlns:ds="http://schemas.openxmlformats.org/officeDocument/2006/customXml" ds:itemID="{758FDAC0-319D-4A54-8D8E-1D42CB1F8004}">
   <ds:schemaRefs>
-    <ds:schemaRef ds:uri="http://schemas.microsoft.com/office/2006/metadata/properties"/>
-    <ds:schemaRef ds:uri="http://purl.org/dc/terms/"/>
-    <ds:schemaRef ds:uri="http://schemas.openxmlformats.org/package/2006/metadata/core-properties"/>
-    <ds:schemaRef ds:uri="630a2e83-186a-4a0f-ab27-bee8a8096abc"/>
-    <ds:schemaRef ds:uri="http://schemas.microsoft.com/office/2006/documentManagement/types"/>
-    <ds:schemaRef ds:uri="http://schemas.microsoft.com/office/infopath/2007/PartnerControls"/>
-    <ds:schemaRef ds:uri="http://purl.org/dc/elements/1.1/"/>
-    <ds:schemaRef ds:uri="http://www.w3.org/XML/1998/namespace"/>
-    <ds:schemaRef ds:uri="http://purl.org/dc/dcmitype/"/>
+    <ds:schemaRef ds:uri="http://schemas.microsoft.com/sharepoint/v3/contenttype/forms"/>
   </ds:schemaRefs>
 </ds:datastoreItem>
 </file>
@@ -20203,9 +20211,17 @@
 </file>
 
 <file path=customXml/itemProps3.xml><?xml version="1.0" encoding="utf-8"?>
-<ds:datastoreItem xmlns:ds="http://schemas.openxmlformats.org/officeDocument/2006/customXml" ds:itemID="{758FDAC0-319D-4A54-8D8E-1D42CB1F8004}">
+<ds:datastoreItem xmlns:ds="http://schemas.openxmlformats.org/officeDocument/2006/customXml" ds:itemID="{F990F116-B58F-4255-B05B-DA3808E0E5C6}">
   <ds:schemaRefs>
-    <ds:schemaRef ds:uri="http://schemas.microsoft.com/sharepoint/v3/contenttype/forms"/>
+    <ds:schemaRef ds:uri="http://schemas.microsoft.com/office/2006/metadata/properties"/>
+    <ds:schemaRef ds:uri="http://purl.org/dc/terms/"/>
+    <ds:schemaRef ds:uri="http://schemas.openxmlformats.org/package/2006/metadata/core-properties"/>
+    <ds:schemaRef ds:uri="630a2e83-186a-4a0f-ab27-bee8a8096abc"/>
+    <ds:schemaRef ds:uri="http://schemas.microsoft.com/office/2006/documentManagement/types"/>
+    <ds:schemaRef ds:uri="http://schemas.microsoft.com/office/infopath/2007/PartnerControls"/>
+    <ds:schemaRef ds:uri="http://purl.org/dc/elements/1.1/"/>
+    <ds:schemaRef ds:uri="http://www.w3.org/XML/1998/namespace"/>
+    <ds:schemaRef ds:uri="http://purl.org/dc/dcmitype/"/>
   </ds:schemaRefs>
 </ds:datastoreItem>
 </file>
--- a/Intro to Unit Testing.pptx
+++ b/Intro to Unit Testing.pptx
@@ -17,9 +17,9 @@
     <p:sldId id="258" r:id="rId8"/>
     <p:sldId id="260" r:id="rId9"/>
     <p:sldId id="259" r:id="rId10"/>
-    <p:sldId id="261" r:id="rId11"/>
-    <p:sldId id="262" r:id="rId12"/>
-    <p:sldId id="264" r:id="rId13"/>
+    <p:sldId id="264" r:id="rId11"/>
+    <p:sldId id="261" r:id="rId12"/>
+    <p:sldId id="262" r:id="rId13"/>
     <p:sldId id="1720" r:id="rId14"/>
     <p:sldId id="265" r:id="rId15"/>
     <p:sldId id="1532" r:id="rId16"/>
@@ -549,7 +549,7 @@
               <a:rPr lang="en-US" smtClean="0">
                 <a:latin typeface="Segoe UI" pitchFamily="34" charset="0"/>
               </a:rPr>
-              <a:t>7/19/2018 3:53 PM</a:t>
+              <a:t>7/24/2018 9:41 PM</a:t>
             </a:fld>
             <a:endParaRPr lang="en-US" dirty="0">
               <a:latin typeface="Segoe UI" pitchFamily="34" charset="0"/>
@@ -827,7 +827,7 @@
           <a:p>
             <a:fld id="{386CE63F-9E7F-4C04-9D0D-FCA25A8E9E86}" type="datetime8">
               <a:rPr lang="en-US" smtClean="0"/>
-              <a:t>7/19/2018 3:52 PM</a:t>
+              <a:t>7/24/2018 11:53 AM</a:t>
             </a:fld>
             <a:endParaRPr lang="en-US" dirty="0"/>
           </a:p>
@@ -1194,7 +1194,7 @@
           <a:p>
             <a:fld id="{3619146B-24F9-441E-A368-DB3B5A84C1D4}" type="datetime8">
               <a:rPr lang="en-US" smtClean="0"/>
-              <a:t>7/19/2018 3:52 PM</a:t>
+              <a:t>7/24/2018 11:53 AM</a:t>
             </a:fld>
             <a:endParaRPr lang="en-US" dirty="0"/>
           </a:p>
@@ -1416,7 +1416,7 @@
           <a:p>
             <a:fld id="{4924B5D6-1DAB-4300-82CC-36D92AAF084D}" type="slidenum">
               <a:rPr lang="en-US" smtClean="0"/>
-              <a:t>8</a:t>
+              <a:t>6</a:t>
             </a:fld>
             <a:endParaRPr lang="en-US"/>
           </a:p>
@@ -1542,7 +1542,7 @@
                   <a:prstClr val="black"/>
                 </a:solidFill>
               </a:rPr>
-              <a:t>7/19/2018 3:52 PM</a:t>
+              <a:t>7/24/2018 11:53 AM</a:t>
             </a:fld>
             <a:endParaRPr lang="en-US" dirty="0">
               <a:solidFill>
@@ -5112,7 +5112,7 @@
           <a:p>
             <a:fld id="{B9351C7B-D913-4A6F-B601-CEF21ACADB97}" type="datetimeFigureOut">
               <a:rPr lang="en-US" smtClean="0"/>
-              <a:t>7/19/2018</a:t>
+              <a:t>7/24/2018</a:t>
             </a:fld>
             <a:endParaRPr lang="en-US"/>
           </a:p>
@@ -16446,14 +16446,14 @@
             <a:pPr lvl="1"/>
             <a:r>
               <a:rPr lang="en-US" dirty="0"/>
-              <a:t>Focused on overall system behavior (perf, scale, resilience, )</a:t>
+              <a:t>Focused on overall system</a:t>
             </a:r>
           </a:p>
           <a:p>
             <a:pPr lvl="1"/>
             <a:r>
               <a:rPr lang="en-US" dirty="0"/>
-              <a:t>Does the system function without error?</a:t>
+              <a:t>Behavior, perf, scale, resilience, etc.</a:t>
             </a:r>
           </a:p>
           <a:p>
@@ -17549,6 +17549,101 @@
 <file path=ppt/slides/slide6.xml><?xml version="1.0" encoding="utf-8"?>
 <p:sld xmlns:a="http://schemas.openxmlformats.org/drawingml/2006/main" xmlns:r="http://schemas.openxmlformats.org/officeDocument/2006/relationships" xmlns:p="http://schemas.openxmlformats.org/presentationml/2006/main">
   <p:cSld>
+    <p:spTree>
+      <p:nvGrpSpPr>
+        <p:cNvPr id="1" name=""/>
+        <p:cNvGrpSpPr/>
+        <p:nvPr/>
+      </p:nvGrpSpPr>
+      <p:grpSpPr>
+        <a:xfrm>
+          <a:off x="0" y="0"/>
+          <a:ext cx="0" cy="0"/>
+          <a:chOff x="0" y="0"/>
+          <a:chExt cx="0" cy="0"/>
+        </a:xfrm>
+      </p:grpSpPr>
+      <p:sp>
+        <p:nvSpPr>
+          <p:cNvPr id="2" name="Title 1">
+            <a:extLst>
+              <a:ext uri="{FF2B5EF4-FFF2-40B4-BE49-F238E27FC236}">
+                <a16:creationId xmlns:a16="http://schemas.microsoft.com/office/drawing/2014/main" id="{09D63B0D-766B-40CB-B5D0-5DEED829E7D1}"/>
+              </a:ext>
+            </a:extLst>
+          </p:cNvPr>
+          <p:cNvSpPr>
+            <a:spLocks noGrp="1"/>
+          </p:cNvSpPr>
+          <p:nvPr>
+            <p:ph type="title"/>
+          </p:nvPr>
+        </p:nvSpPr>
+        <p:spPr/>
+        <p:txBody>
+          <a:bodyPr/>
+          <a:lstStyle/>
+          <a:p>
+            <a:r>
+              <a:rPr lang="en-US" dirty="0"/>
+              <a:t>Advanced demo</a:t>
+            </a:r>
+          </a:p>
+        </p:txBody>
+      </p:sp>
+      <p:sp>
+        <p:nvSpPr>
+          <p:cNvPr id="3" name="Text Placeholder 2">
+            <a:extLst>
+              <a:ext uri="{FF2B5EF4-FFF2-40B4-BE49-F238E27FC236}">
+                <a16:creationId xmlns:a16="http://schemas.microsoft.com/office/drawing/2014/main" id="{61BBD752-8AC9-42A7-84B4-E95B241B4092}"/>
+              </a:ext>
+            </a:extLst>
+          </p:cNvPr>
+          <p:cNvSpPr>
+            <a:spLocks noGrp="1"/>
+          </p:cNvSpPr>
+          <p:nvPr>
+            <p:ph type="body" sz="quarter" idx="12"/>
+          </p:nvPr>
+        </p:nvSpPr>
+        <p:spPr/>
+        <p:txBody>
+          <a:bodyPr/>
+          <a:lstStyle/>
+          <a:p>
+            <a:endParaRPr lang="en-US"/>
+          </a:p>
+        </p:txBody>
+      </p:sp>
+    </p:spTree>
+    <p:extLst>
+      <p:ext uri="{BB962C8B-B14F-4D97-AF65-F5344CB8AC3E}">
+        <p14:creationId xmlns:p14="http://schemas.microsoft.com/office/powerpoint/2010/main" val="2189786174"/>
+      </p:ext>
+    </p:extLst>
+  </p:cSld>
+  <p:clrMapOvr>
+    <a:masterClrMapping/>
+  </p:clrMapOvr>
+  <mc:AlternateContent xmlns:mc="http://schemas.openxmlformats.org/markup-compatibility/2006" xmlns:p14="http://schemas.microsoft.com/office/powerpoint/2010/main">
+    <mc:Choice Requires="p14">
+      <p:transition spd="med" p14:dur="700">
+        <p:fade/>
+      </p:transition>
+    </mc:Choice>
+    <mc:Fallback xmlns="">
+      <p:transition spd="med">
+        <p:fade/>
+      </p:transition>
+    </mc:Fallback>
+  </mc:AlternateContent>
+</p:sld>
+</file>
+
+<file path=ppt/slides/slide7.xml><?xml version="1.0" encoding="utf-8"?>
+<p:sld xmlns:a="http://schemas.openxmlformats.org/drawingml/2006/main" xmlns:r="http://schemas.openxmlformats.org/officeDocument/2006/relationships" xmlns:p="http://schemas.openxmlformats.org/presentationml/2006/main">
+  <p:cSld>
     <p:bg>
       <p:bgPr>
         <a:solidFill>
@@ -17744,7 +17839,7 @@
 </p:sld>
 </file>
 
-<file path=ppt/slides/slide7.xml><?xml version="1.0" encoding="utf-8"?>
+<file path=ppt/slides/slide8.xml><?xml version="1.0" encoding="utf-8"?>
 <p:sld xmlns:a="http://schemas.openxmlformats.org/drawingml/2006/main" xmlns:r="http://schemas.openxmlformats.org/officeDocument/2006/relationships" xmlns:p="http://schemas.openxmlformats.org/presentationml/2006/main">
   <p:cSld>
     <p:bg>
@@ -18013,101 +18108,6 @@
   <p:transition>
     <p:fade/>
   </p:transition>
-</p:sld>
-</file>
-
-<file path=ppt/slides/slide8.xml><?xml version="1.0" encoding="utf-8"?>
-<p:sld xmlns:a="http://schemas.openxmlformats.org/drawingml/2006/main" xmlns:r="http://schemas.openxmlformats.org/officeDocument/2006/relationships" xmlns:p="http://schemas.openxmlformats.org/presentationml/2006/main">
-  <p:cSld>
-    <p:spTree>
-      <p:nvGrpSpPr>
-        <p:cNvPr id="1" name=""/>
-        <p:cNvGrpSpPr/>
-        <p:nvPr/>
-      </p:nvGrpSpPr>
-      <p:grpSpPr>
-        <a:xfrm>
-          <a:off x="0" y="0"/>
-          <a:ext cx="0" cy="0"/>
-          <a:chOff x="0" y="0"/>
-          <a:chExt cx="0" cy="0"/>
-        </a:xfrm>
-      </p:grpSpPr>
-      <p:sp>
-        <p:nvSpPr>
-          <p:cNvPr id="2" name="Title 1">
-            <a:extLst>
-              <a:ext uri="{FF2B5EF4-FFF2-40B4-BE49-F238E27FC236}">
-                <a16:creationId xmlns:a16="http://schemas.microsoft.com/office/drawing/2014/main" id="{09D63B0D-766B-40CB-B5D0-5DEED829E7D1}"/>
-              </a:ext>
-            </a:extLst>
-          </p:cNvPr>
-          <p:cNvSpPr>
-            <a:spLocks noGrp="1"/>
-          </p:cNvSpPr>
-          <p:nvPr>
-            <p:ph type="title"/>
-          </p:nvPr>
-        </p:nvSpPr>
-        <p:spPr/>
-        <p:txBody>
-          <a:bodyPr/>
-          <a:lstStyle/>
-          <a:p>
-            <a:r>
-              <a:rPr lang="en-US" dirty="0"/>
-              <a:t>Advanced demo</a:t>
-            </a:r>
-          </a:p>
-        </p:txBody>
-      </p:sp>
-      <p:sp>
-        <p:nvSpPr>
-          <p:cNvPr id="3" name="Text Placeholder 2">
-            <a:extLst>
-              <a:ext uri="{FF2B5EF4-FFF2-40B4-BE49-F238E27FC236}">
-                <a16:creationId xmlns:a16="http://schemas.microsoft.com/office/drawing/2014/main" id="{61BBD752-8AC9-42A7-84B4-E95B241B4092}"/>
-              </a:ext>
-            </a:extLst>
-          </p:cNvPr>
-          <p:cNvSpPr>
-            <a:spLocks noGrp="1"/>
-          </p:cNvSpPr>
-          <p:nvPr>
-            <p:ph type="body" sz="quarter" idx="12"/>
-          </p:nvPr>
-        </p:nvSpPr>
-        <p:spPr/>
-        <p:txBody>
-          <a:bodyPr/>
-          <a:lstStyle/>
-          <a:p>
-            <a:endParaRPr lang="en-US"/>
-          </a:p>
-        </p:txBody>
-      </p:sp>
-    </p:spTree>
-    <p:extLst>
-      <p:ext uri="{BB962C8B-B14F-4D97-AF65-F5344CB8AC3E}">
-        <p14:creationId xmlns:p14="http://schemas.microsoft.com/office/powerpoint/2010/main" val="2189786174"/>
-      </p:ext>
-    </p:extLst>
-  </p:cSld>
-  <p:clrMapOvr>
-    <a:masterClrMapping/>
-  </p:clrMapOvr>
-  <mc:AlternateContent xmlns:mc="http://schemas.openxmlformats.org/markup-compatibility/2006" xmlns:p14="http://schemas.microsoft.com/office/powerpoint/2010/main">
-    <mc:Choice Requires="p14">
-      <p:transition spd="med" p14:dur="700">
-        <p:fade/>
-      </p:transition>
-    </mc:Choice>
-    <mc:Fallback xmlns="">
-      <p:transition spd="med">
-        <p:fade/>
-      </p:transition>
-    </mc:Fallback>
-  </mc:AlternateContent>
 </p:sld>
 </file>
 
